--- a/illustration.pptx
+++ b/illustration.pptx
@@ -6,6 +6,7 @@
   </p:sldMasterIdLst>
   <p:sldIdLst>
     <p:sldId id="256" r:id="rId2"/>
+    <p:sldId id="257" r:id="rId3"/>
   </p:sldIdLst>
   <p:sldSz cx="12192000" cy="6858000"/>
   <p:notesSz cx="6858000" cy="9144000"/>
@@ -3321,10 +3322,377 @@
           <a:chExt cx="0" cy="0"/>
         </a:xfrm>
       </p:grpSpPr>
+      <p:grpSp>
+        <p:nvGrpSpPr>
+          <p:cNvPr id="16" name="Group 15">
+            <a:extLst>
+              <a:ext uri="{FF2B5EF4-FFF2-40B4-BE49-F238E27FC236}">
+                <a16:creationId xmlns:a16="http://schemas.microsoft.com/office/drawing/2014/main" id="{C4E87E45-C405-8547-B1FB-63892211A28A}"/>
+              </a:ext>
+            </a:extLst>
+          </p:cNvPr>
+          <p:cNvGrpSpPr/>
+          <p:nvPr/>
+        </p:nvGrpSpPr>
+        <p:grpSpPr>
+          <a:xfrm>
+            <a:off x="5699081" y="983087"/>
+            <a:ext cx="4871847" cy="3373817"/>
+            <a:chOff x="5699081" y="983087"/>
+            <a:chExt cx="4871847" cy="3373817"/>
+          </a:xfrm>
+        </p:grpSpPr>
+        <p:sp>
+          <p:nvSpPr>
+            <p:cNvPr id="10" name="Oval 9">
+              <a:extLst>
+                <a:ext uri="{FF2B5EF4-FFF2-40B4-BE49-F238E27FC236}">
+                  <a16:creationId xmlns:a16="http://schemas.microsoft.com/office/drawing/2014/main" id="{2DE2B3E1-1347-244F-B048-CA75DC58D667}"/>
+                </a:ext>
+              </a:extLst>
+            </p:cNvPr>
+            <p:cNvSpPr/>
+            <p:nvPr/>
+          </p:nvSpPr>
+          <p:spPr>
+            <a:xfrm>
+              <a:off x="6306206" y="2092294"/>
+              <a:ext cx="3657600" cy="1828800"/>
+            </a:xfrm>
+            <a:prstGeom prst="ellipse">
+              <a:avLst/>
+            </a:prstGeom>
+            <a:solidFill>
+              <a:schemeClr val="accent4">
+                <a:lumMod val="60000"/>
+                <a:lumOff val="40000"/>
+                <a:alpha val="50000"/>
+              </a:schemeClr>
+            </a:solidFill>
+          </p:spPr>
+          <p:style>
+            <a:lnRef idx="2">
+              <a:schemeClr val="accent1">
+                <a:shade val="50000"/>
+              </a:schemeClr>
+            </a:lnRef>
+            <a:fillRef idx="1">
+              <a:schemeClr val="accent1"/>
+            </a:fillRef>
+            <a:effectRef idx="0">
+              <a:schemeClr val="accent1"/>
+            </a:effectRef>
+            <a:fontRef idx="minor">
+              <a:schemeClr val="lt1"/>
+            </a:fontRef>
+          </p:style>
+          <p:txBody>
+            <a:bodyPr rtlCol="0" anchor="ctr"/>
+            <a:lstStyle/>
+            <a:p>
+              <a:pPr algn="ctr"/>
+              <a:endParaRPr lang="en-US"/>
+            </a:p>
+          </p:txBody>
+        </p:sp>
+        <p:sp>
+          <p:nvSpPr>
+            <p:cNvPr id="9" name="Oval 8">
+              <a:extLst>
+                <a:ext uri="{FF2B5EF4-FFF2-40B4-BE49-F238E27FC236}">
+                  <a16:creationId xmlns:a16="http://schemas.microsoft.com/office/drawing/2014/main" id="{1A6680B1-4957-724B-9317-1871D900ECC7}"/>
+                </a:ext>
+              </a:extLst>
+            </p:cNvPr>
+            <p:cNvSpPr/>
+            <p:nvPr/>
+          </p:nvSpPr>
+          <p:spPr>
+            <a:xfrm>
+              <a:off x="6306207" y="1418897"/>
+              <a:ext cx="3657600" cy="1828800"/>
+            </a:xfrm>
+            <a:prstGeom prst="ellipse">
+              <a:avLst/>
+            </a:prstGeom>
+            <a:solidFill>
+              <a:schemeClr val="accent6">
+                <a:lumMod val="60000"/>
+                <a:lumOff val="40000"/>
+                <a:alpha val="50000"/>
+              </a:schemeClr>
+            </a:solidFill>
+          </p:spPr>
+          <p:style>
+            <a:lnRef idx="2">
+              <a:schemeClr val="accent1">
+                <a:shade val="50000"/>
+              </a:schemeClr>
+            </a:lnRef>
+            <a:fillRef idx="1">
+              <a:schemeClr val="accent1"/>
+            </a:fillRef>
+            <a:effectRef idx="0">
+              <a:schemeClr val="accent1"/>
+            </a:effectRef>
+            <a:fontRef idx="minor">
+              <a:schemeClr val="lt1"/>
+            </a:fontRef>
+          </p:style>
+          <p:txBody>
+            <a:bodyPr rtlCol="0" anchor="ctr"/>
+            <a:lstStyle/>
+            <a:p>
+              <a:pPr algn="ctr"/>
+              <a:endParaRPr lang="en-US" dirty="0"/>
+            </a:p>
+          </p:txBody>
+        </p:sp>
+        <p:sp>
+          <p:nvSpPr>
+            <p:cNvPr id="11" name="Rectangle 10">
+              <a:extLst>
+                <a:ext uri="{FF2B5EF4-FFF2-40B4-BE49-F238E27FC236}">
+                  <a16:creationId xmlns:a16="http://schemas.microsoft.com/office/drawing/2014/main" id="{34895ADB-7E3A-5343-85C0-640221AFAB06}"/>
+                </a:ext>
+              </a:extLst>
+            </p:cNvPr>
+            <p:cNvSpPr/>
+            <p:nvPr/>
+          </p:nvSpPr>
+          <p:spPr>
+            <a:xfrm>
+              <a:off x="7304489" y="1578840"/>
+              <a:ext cx="1661032" cy="461665"/>
+            </a:xfrm>
+            <a:prstGeom prst="rect">
+              <a:avLst/>
+            </a:prstGeom>
+          </p:spPr>
+          <p:txBody>
+            <a:bodyPr wrap="none">
+              <a:spAutoFit/>
+            </a:bodyPr>
+            <a:lstStyle/>
+            <a:p>
+              <a:pPr algn="ctr"/>
+              <a:r>
+                <a:rPr lang="en-US" altLang="zh-CN" sz="2400" dirty="0">
+                  <a:latin typeface="Monaco" pitchFamily="2" charset="77"/>
+                </a:rPr>
+                <a:t>1:</a:t>
+              </a:r>
+              <a:r>
+                <a:rPr lang="zh-CN" altLang="en-US" sz="2400" dirty="0">
+                  <a:latin typeface="Monaco" pitchFamily="2" charset="77"/>
+                </a:rPr>
+                <a:t> 最匹配</a:t>
+              </a:r>
+              <a:endParaRPr lang="en-US" sz="2400" dirty="0">
+                <a:latin typeface="Monaco" pitchFamily="2" charset="77"/>
+              </a:endParaRPr>
+            </a:p>
+          </p:txBody>
+        </p:sp>
+        <p:sp>
+          <p:nvSpPr>
+            <p:cNvPr id="12" name="Rectangle 11">
+              <a:extLst>
+                <a:ext uri="{FF2B5EF4-FFF2-40B4-BE49-F238E27FC236}">
+                  <a16:creationId xmlns:a16="http://schemas.microsoft.com/office/drawing/2014/main" id="{642FCE8F-9089-9244-9668-5EF212B4C2F3}"/>
+                </a:ext>
+              </a:extLst>
+            </p:cNvPr>
+            <p:cNvSpPr/>
+            <p:nvPr/>
+          </p:nvSpPr>
+          <p:spPr>
+            <a:xfrm>
+              <a:off x="6596763" y="3198167"/>
+              <a:ext cx="3076484" cy="461665"/>
+            </a:xfrm>
+            <a:prstGeom prst="rect">
+              <a:avLst/>
+            </a:prstGeom>
+          </p:spPr>
+          <p:txBody>
+            <a:bodyPr wrap="none">
+              <a:spAutoFit/>
+            </a:bodyPr>
+            <a:lstStyle/>
+            <a:p>
+              <a:pPr algn="ctr"/>
+              <a:r>
+                <a:rPr lang="en-US" altLang="zh-CN" sz="2400" dirty="0">
+                  <a:latin typeface="Monaco" pitchFamily="2" charset="77"/>
+                </a:rPr>
+                <a:t>-1:</a:t>
+              </a:r>
+              <a:r>
+                <a:rPr lang="zh-CN" altLang="en-US" sz="2400" dirty="0">
+                  <a:latin typeface="Monaco" pitchFamily="2" charset="77"/>
+                </a:rPr>
+                <a:t> 足够好但非最优</a:t>
+              </a:r>
+              <a:endParaRPr lang="en-US" sz="2400" dirty="0">
+                <a:latin typeface="Monaco" pitchFamily="2" charset="77"/>
+              </a:endParaRPr>
+            </a:p>
+          </p:txBody>
+        </p:sp>
+        <p:sp>
+          <p:nvSpPr>
+            <p:cNvPr id="13" name="Rectangle 12">
+              <a:extLst>
+                <a:ext uri="{FF2B5EF4-FFF2-40B4-BE49-F238E27FC236}">
+                  <a16:creationId xmlns:a16="http://schemas.microsoft.com/office/drawing/2014/main" id="{FE559C1D-D3E5-4844-910A-4B23DA7F81FE}"/>
+                </a:ext>
+              </a:extLst>
+            </p:cNvPr>
+            <p:cNvSpPr/>
+            <p:nvPr/>
+          </p:nvSpPr>
+          <p:spPr>
+            <a:xfrm>
+              <a:off x="6842827" y="2408762"/>
+              <a:ext cx="2584362" cy="461665"/>
+            </a:xfrm>
+            <a:prstGeom prst="rect">
+              <a:avLst/>
+            </a:prstGeom>
+          </p:spPr>
+          <p:txBody>
+            <a:bodyPr wrap="none">
+              <a:spAutoFit/>
+            </a:bodyPr>
+            <a:lstStyle/>
+            <a:p>
+              <a:pPr algn="ctr"/>
+              <a:r>
+                <a:rPr lang="en-US" altLang="zh-CN" sz="2400" dirty="0">
+                  <a:latin typeface="Monaco" pitchFamily="2" charset="77"/>
+                </a:rPr>
+                <a:t>0:</a:t>
+              </a:r>
+              <a:r>
+                <a:rPr lang="zh-CN" altLang="en-US" sz="2400" dirty="0">
+                  <a:latin typeface="Monaco" pitchFamily="2" charset="77"/>
+                </a:rPr>
+                <a:t> 背景或不够好</a:t>
+              </a:r>
+              <a:endParaRPr lang="en-US" sz="2400" dirty="0">
+                <a:latin typeface="Monaco" pitchFamily="2" charset="77"/>
+              </a:endParaRPr>
+            </a:p>
+          </p:txBody>
+        </p:sp>
+        <p:sp>
+          <p:nvSpPr>
+            <p:cNvPr id="14" name="Rectangle 13">
+              <a:extLst>
+                <a:ext uri="{FF2B5EF4-FFF2-40B4-BE49-F238E27FC236}">
+                  <a16:creationId xmlns:a16="http://schemas.microsoft.com/office/drawing/2014/main" id="{3B56FCE5-55D9-9047-800A-C2672A404471}"/>
+                </a:ext>
+              </a:extLst>
+            </p:cNvPr>
+            <p:cNvSpPr/>
+            <p:nvPr/>
+          </p:nvSpPr>
+          <p:spPr>
+            <a:xfrm>
+              <a:off x="5699081" y="3987572"/>
+              <a:ext cx="4871847" cy="369332"/>
+            </a:xfrm>
+            <a:prstGeom prst="rect">
+              <a:avLst/>
+            </a:prstGeom>
+          </p:spPr>
+          <p:txBody>
+            <a:bodyPr wrap="none">
+              <a:spAutoFit/>
+            </a:bodyPr>
+            <a:lstStyle/>
+            <a:p>
+              <a:r>
+                <a:rPr lang="en-US" dirty="0">
+                  <a:latin typeface="Monaco" pitchFamily="2" charset="77"/>
+                </a:rPr>
+                <a:t>YOLOV3DynamicTargetGeneratorSimple</a:t>
+              </a:r>
+            </a:p>
+          </p:txBody>
+        </p:sp>
+        <p:sp>
+          <p:nvSpPr>
+            <p:cNvPr id="15" name="Rectangle 14">
+              <a:extLst>
+                <a:ext uri="{FF2B5EF4-FFF2-40B4-BE49-F238E27FC236}">
+                  <a16:creationId xmlns:a16="http://schemas.microsoft.com/office/drawing/2014/main" id="{F6C865D8-0296-0C49-80D6-FCDDAC7FCEEA}"/>
+                </a:ext>
+              </a:extLst>
+            </p:cNvPr>
+            <p:cNvSpPr/>
+            <p:nvPr/>
+          </p:nvSpPr>
+          <p:spPr>
+            <a:xfrm>
+              <a:off x="6043726" y="983087"/>
+              <a:ext cx="4182555" cy="369332"/>
+            </a:xfrm>
+            <a:prstGeom prst="rect">
+              <a:avLst/>
+            </a:prstGeom>
+          </p:spPr>
+          <p:txBody>
+            <a:bodyPr wrap="none">
+              <a:spAutoFit/>
+            </a:bodyPr>
+            <a:lstStyle/>
+            <a:p>
+              <a:r>
+                <a:rPr lang="en-US" dirty="0">
+                  <a:latin typeface="Monaco" pitchFamily="2" charset="77"/>
+                </a:rPr>
+                <a:t>YOLOV3PrefetchTargetGenerator</a:t>
+              </a:r>
+            </a:p>
+          </p:txBody>
+        </p:sp>
+      </p:grpSp>
     </p:spTree>
     <p:extLst>
       <p:ext uri="{BB962C8B-B14F-4D97-AF65-F5344CB8AC3E}">
         <p14:creationId xmlns:p14="http://schemas.microsoft.com/office/powerpoint/2010/main" val="4055932121"/>
+      </p:ext>
+    </p:extLst>
+  </p:cSld>
+  <p:clrMapOvr>
+    <a:masterClrMapping/>
+  </p:clrMapOvr>
+</p:sld>
+</file>
+
+<file path=ppt/slides/slide2.xml><?xml version="1.0" encoding="utf-8"?>
+<p:sld xmlns:a="http://schemas.openxmlformats.org/drawingml/2006/main" xmlns:r="http://schemas.openxmlformats.org/officeDocument/2006/relationships" xmlns:p="http://schemas.openxmlformats.org/presentationml/2006/main">
+  <p:cSld>
+    <p:spTree>
+      <p:nvGrpSpPr>
+        <p:cNvPr id="1" name=""/>
+        <p:cNvGrpSpPr/>
+        <p:nvPr/>
+      </p:nvGrpSpPr>
+      <p:grpSpPr>
+        <a:xfrm>
+          <a:off x="0" y="0"/>
+          <a:ext cx="0" cy="0"/>
+          <a:chOff x="0" y="0"/>
+          <a:chExt cx="0" cy="0"/>
+        </a:xfrm>
+      </p:grpSpPr>
+    </p:spTree>
+    <p:extLst>
+      <p:ext uri="{BB962C8B-B14F-4D97-AF65-F5344CB8AC3E}">
+        <p14:creationId xmlns:p14="http://schemas.microsoft.com/office/powerpoint/2010/main" val="3585533404"/>
       </p:ext>
     </p:extLst>
   </p:cSld>

--- a/illustration.pptx
+++ b/illustration.pptx
@@ -105,6 +105,11 @@
       </a:defRPr>
     </a:lvl9pPr>
   </p:defaultTextStyle>
+  <p:extLst>
+    <p:ext uri="{EFAFB233-063F-42B5-8137-9DF3F51BA10A}">
+      <p15:sldGuideLst xmlns:p15="http://schemas.microsoft.com/office/powerpoint/2012/main"/>
+    </p:ext>
+  </p:extLst>
 </p:presentation>
 </file>
 
@@ -255,7 +260,7 @@
           <a:p>
             <a:fld id="{1083B1C2-729F-1549-90D8-217F88722A8B}" type="datetimeFigureOut">
               <a:rPr lang="en-US" smtClean="0"/>
-              <a:t>9/11/19</a:t>
+              <a:t>10/12/19</a:t>
             </a:fld>
             <a:endParaRPr lang="en-US"/>
           </a:p>
@@ -453,7 +458,7 @@
           <a:p>
             <a:fld id="{1083B1C2-729F-1549-90D8-217F88722A8B}" type="datetimeFigureOut">
               <a:rPr lang="en-US" smtClean="0"/>
-              <a:t>9/11/19</a:t>
+              <a:t>10/12/19</a:t>
             </a:fld>
             <a:endParaRPr lang="en-US"/>
           </a:p>
@@ -661,7 +666,7 @@
           <a:p>
             <a:fld id="{1083B1C2-729F-1549-90D8-217F88722A8B}" type="datetimeFigureOut">
               <a:rPr lang="en-US" smtClean="0"/>
-              <a:t>9/11/19</a:t>
+              <a:t>10/12/19</a:t>
             </a:fld>
             <a:endParaRPr lang="en-US"/>
           </a:p>
@@ -859,7 +864,7 @@
           <a:p>
             <a:fld id="{1083B1C2-729F-1549-90D8-217F88722A8B}" type="datetimeFigureOut">
               <a:rPr lang="en-US" smtClean="0"/>
-              <a:t>9/11/19</a:t>
+              <a:t>10/12/19</a:t>
             </a:fld>
             <a:endParaRPr lang="en-US"/>
           </a:p>
@@ -1134,7 +1139,7 @@
           <a:p>
             <a:fld id="{1083B1C2-729F-1549-90D8-217F88722A8B}" type="datetimeFigureOut">
               <a:rPr lang="en-US" smtClean="0"/>
-              <a:t>9/11/19</a:t>
+              <a:t>10/12/19</a:t>
             </a:fld>
             <a:endParaRPr lang="en-US"/>
           </a:p>
@@ -1399,7 +1404,7 @@
           <a:p>
             <a:fld id="{1083B1C2-729F-1549-90D8-217F88722A8B}" type="datetimeFigureOut">
               <a:rPr lang="en-US" smtClean="0"/>
-              <a:t>9/11/19</a:t>
+              <a:t>10/12/19</a:t>
             </a:fld>
             <a:endParaRPr lang="en-US"/>
           </a:p>
@@ -1811,7 +1816,7 @@
           <a:p>
             <a:fld id="{1083B1C2-729F-1549-90D8-217F88722A8B}" type="datetimeFigureOut">
               <a:rPr lang="en-US" smtClean="0"/>
-              <a:t>9/11/19</a:t>
+              <a:t>10/12/19</a:t>
             </a:fld>
             <a:endParaRPr lang="en-US"/>
           </a:p>
@@ -1952,7 +1957,7 @@
           <a:p>
             <a:fld id="{1083B1C2-729F-1549-90D8-217F88722A8B}" type="datetimeFigureOut">
               <a:rPr lang="en-US" smtClean="0"/>
-              <a:t>9/11/19</a:t>
+              <a:t>10/12/19</a:t>
             </a:fld>
             <a:endParaRPr lang="en-US"/>
           </a:p>
@@ -2065,7 +2070,7 @@
           <a:p>
             <a:fld id="{1083B1C2-729F-1549-90D8-217F88722A8B}" type="datetimeFigureOut">
               <a:rPr lang="en-US" smtClean="0"/>
-              <a:t>9/11/19</a:t>
+              <a:t>10/12/19</a:t>
             </a:fld>
             <a:endParaRPr lang="en-US"/>
           </a:p>
@@ -2376,7 +2381,7 @@
           <a:p>
             <a:fld id="{1083B1C2-729F-1549-90D8-217F88722A8B}" type="datetimeFigureOut">
               <a:rPr lang="en-US" smtClean="0"/>
-              <a:t>9/11/19</a:t>
+              <a:t>10/12/19</a:t>
             </a:fld>
             <a:endParaRPr lang="en-US"/>
           </a:p>
@@ -2664,7 +2669,7 @@
           <a:p>
             <a:fld id="{1083B1C2-729F-1549-90D8-217F88722A8B}" type="datetimeFigureOut">
               <a:rPr lang="en-US" smtClean="0"/>
-              <a:t>9/11/19</a:t>
+              <a:t>10/12/19</a:t>
             </a:fld>
             <a:endParaRPr lang="en-US"/>
           </a:p>
@@ -2905,7 +2910,7 @@
           <a:p>
             <a:fld id="{1083B1C2-729F-1549-90D8-217F88722A8B}" type="datetimeFigureOut">
               <a:rPr lang="en-US" smtClean="0"/>
-              <a:t>9/11/19</a:t>
+              <a:t>10/12/19</a:t>
             </a:fld>
             <a:endParaRPr lang="en-US"/>
           </a:p>
@@ -3689,6 +3694,456 @@
           <a:chExt cx="0" cy="0"/>
         </a:xfrm>
       </p:grpSpPr>
+      <p:grpSp>
+        <p:nvGrpSpPr>
+          <p:cNvPr id="31" name="Group 30">
+            <a:extLst>
+              <a:ext uri="{FF2B5EF4-FFF2-40B4-BE49-F238E27FC236}">
+                <a16:creationId xmlns:a16="http://schemas.microsoft.com/office/drawing/2014/main" id="{4BAE4023-C7CD-0643-AE29-2B3A5198A4CE}"/>
+              </a:ext>
+            </a:extLst>
+          </p:cNvPr>
+          <p:cNvGrpSpPr/>
+          <p:nvPr/>
+        </p:nvGrpSpPr>
+        <p:grpSpPr>
+          <a:xfrm>
+            <a:off x="-138024" y="1400210"/>
+            <a:ext cx="12192000" cy="4075788"/>
+            <a:chOff x="-138024" y="1400210"/>
+            <a:chExt cx="12192000" cy="4075788"/>
+          </a:xfrm>
+        </p:grpSpPr>
+        <p:pic>
+          <p:nvPicPr>
+            <p:cNvPr id="2" name="Picture 1">
+              <a:extLst>
+                <a:ext uri="{FF2B5EF4-FFF2-40B4-BE49-F238E27FC236}">
+                  <a16:creationId xmlns:a16="http://schemas.microsoft.com/office/drawing/2014/main" id="{4E7E0AE9-0D1A-654A-894B-25BE8688D4B0}"/>
+                </a:ext>
+              </a:extLst>
+            </p:cNvPr>
+            <p:cNvPicPr>
+              <a:picLocks noChangeAspect="1"/>
+            </p:cNvPicPr>
+            <p:nvPr/>
+          </p:nvPicPr>
+          <p:blipFill>
+            <a:blip r:embed="rId2"/>
+            <a:stretch>
+              <a:fillRect/>
+            </a:stretch>
+          </p:blipFill>
+          <p:spPr>
+            <a:xfrm>
+              <a:off x="-138024" y="1400210"/>
+              <a:ext cx="12192000" cy="4075788"/>
+            </a:xfrm>
+            <a:prstGeom prst="rect">
+              <a:avLst/>
+            </a:prstGeom>
+          </p:spPr>
+        </p:pic>
+        <p:sp>
+          <p:nvSpPr>
+            <p:cNvPr id="3" name="Right Brace 2">
+              <a:extLst>
+                <a:ext uri="{FF2B5EF4-FFF2-40B4-BE49-F238E27FC236}">
+                  <a16:creationId xmlns:a16="http://schemas.microsoft.com/office/drawing/2014/main" id="{656050C6-BDAD-B140-A68B-69A7C6309E91}"/>
+                </a:ext>
+              </a:extLst>
+            </p:cNvPr>
+            <p:cNvSpPr/>
+            <p:nvPr/>
+          </p:nvSpPr>
+          <p:spPr>
+            <a:xfrm rot="16200000">
+              <a:off x="8094599" y="2110596"/>
+              <a:ext cx="169508" cy="330535"/>
+            </a:xfrm>
+            <a:prstGeom prst="rightBrace">
+              <a:avLst/>
+            </a:prstGeom>
+            <a:ln w="63500"/>
+          </p:spPr>
+          <p:style>
+            <a:lnRef idx="1">
+              <a:schemeClr val="accent1"/>
+            </a:lnRef>
+            <a:fillRef idx="0">
+              <a:schemeClr val="accent1"/>
+            </a:fillRef>
+            <a:effectRef idx="0">
+              <a:schemeClr val="accent1"/>
+            </a:effectRef>
+            <a:fontRef idx="minor">
+              <a:schemeClr val="tx1"/>
+            </a:fontRef>
+          </p:style>
+          <p:txBody>
+            <a:bodyPr rtlCol="0" anchor="ctr"/>
+            <a:lstStyle/>
+            <a:p>
+              <a:pPr algn="ctr"/>
+              <a:endParaRPr lang="en-US"/>
+            </a:p>
+          </p:txBody>
+        </p:sp>
+        <p:sp>
+          <p:nvSpPr>
+            <p:cNvPr id="4" name="Right Brace 3">
+              <a:extLst>
+                <a:ext uri="{FF2B5EF4-FFF2-40B4-BE49-F238E27FC236}">
+                  <a16:creationId xmlns:a16="http://schemas.microsoft.com/office/drawing/2014/main" id="{8D66528A-A0FD-DF4F-887A-7B5BCD8CD937}"/>
+                </a:ext>
+              </a:extLst>
+            </p:cNvPr>
+            <p:cNvSpPr/>
+            <p:nvPr/>
+          </p:nvSpPr>
+          <p:spPr>
+            <a:xfrm rot="16200000">
+              <a:off x="7252087" y="2067464"/>
+              <a:ext cx="169508" cy="330535"/>
+            </a:xfrm>
+            <a:prstGeom prst="rightBrace">
+              <a:avLst/>
+            </a:prstGeom>
+            <a:ln w="63500"/>
+          </p:spPr>
+          <p:style>
+            <a:lnRef idx="1">
+              <a:schemeClr val="accent1"/>
+            </a:lnRef>
+            <a:fillRef idx="0">
+              <a:schemeClr val="accent1"/>
+            </a:fillRef>
+            <a:effectRef idx="0">
+              <a:schemeClr val="accent1"/>
+            </a:effectRef>
+            <a:fontRef idx="minor">
+              <a:schemeClr val="tx1"/>
+            </a:fontRef>
+          </p:style>
+          <p:txBody>
+            <a:bodyPr rtlCol="0" anchor="ctr"/>
+            <a:lstStyle/>
+            <a:p>
+              <a:pPr algn="ctr"/>
+              <a:endParaRPr lang="en-US"/>
+            </a:p>
+          </p:txBody>
+        </p:sp>
+        <p:cxnSp>
+          <p:nvCxnSpPr>
+            <p:cNvPr id="6" name="Curved Connector 5">
+              <a:extLst>
+                <a:ext uri="{FF2B5EF4-FFF2-40B4-BE49-F238E27FC236}">
+                  <a16:creationId xmlns:a16="http://schemas.microsoft.com/office/drawing/2014/main" id="{3E3DF641-52C6-394D-9A80-8C3CBA7B2B75}"/>
+                </a:ext>
+              </a:extLst>
+            </p:cNvPr>
+            <p:cNvCxnSpPr>
+              <a:cxnSpLocks/>
+            </p:cNvCxnSpPr>
+            <p:nvPr/>
+          </p:nvCxnSpPr>
+          <p:spPr>
+            <a:xfrm rot="5400000" flipH="1">
+              <a:off x="7702099" y="1726720"/>
+              <a:ext cx="97767" cy="842513"/>
+            </a:xfrm>
+            <a:prstGeom prst="curvedConnector4">
+              <a:avLst>
+                <a:gd name="adj1" fmla="val 430877"/>
+                <a:gd name="adj2" fmla="val 102129"/>
+              </a:avLst>
+            </a:prstGeom>
+            <a:ln w="63500">
+              <a:tailEnd type="triangle"/>
+            </a:ln>
+          </p:spPr>
+          <p:style>
+            <a:lnRef idx="1">
+              <a:schemeClr val="accent1"/>
+            </a:lnRef>
+            <a:fillRef idx="0">
+              <a:schemeClr val="accent1"/>
+            </a:fillRef>
+            <a:effectRef idx="0">
+              <a:schemeClr val="accent1"/>
+            </a:effectRef>
+            <a:fontRef idx="minor">
+              <a:schemeClr val="tx1"/>
+            </a:fontRef>
+          </p:style>
+        </p:cxnSp>
+        <p:sp>
+          <p:nvSpPr>
+            <p:cNvPr id="22" name="TextBox 21">
+              <a:extLst>
+                <a:ext uri="{FF2B5EF4-FFF2-40B4-BE49-F238E27FC236}">
+                  <a16:creationId xmlns:a16="http://schemas.microsoft.com/office/drawing/2014/main" id="{54325C65-9D29-2543-9FDC-F1320256A3AC}"/>
+                </a:ext>
+              </a:extLst>
+            </p:cNvPr>
+            <p:cNvSpPr txBox="1"/>
+            <p:nvPr/>
+          </p:nvSpPr>
+          <p:spPr>
+            <a:xfrm>
+              <a:off x="6859585" y="1400210"/>
+              <a:ext cx="2172119" cy="369332"/>
+            </a:xfrm>
+            <a:prstGeom prst="rect">
+              <a:avLst/>
+            </a:prstGeom>
+            <a:noFill/>
+          </p:spPr>
+          <p:txBody>
+            <a:bodyPr wrap="square" rtlCol="0">
+              <a:spAutoFit/>
+            </a:bodyPr>
+            <a:lstStyle/>
+            <a:p>
+              <a:pPr algn="ctr"/>
+              <a:r>
+                <a:rPr lang="en-US" dirty="0" err="1">
+                  <a:latin typeface="Monaco" pitchFamily="2" charset="77"/>
+                </a:rPr>
+                <a:t>Trans_Conv</a:t>
+              </a:r>
+              <a:r>
+                <a:rPr lang="zh-CN" altLang="en-US" dirty="0">
+                  <a:latin typeface="Monaco" pitchFamily="2" charset="77"/>
+                </a:rPr>
+                <a:t> </a:t>
+              </a:r>
+              <a:r>
+                <a:rPr lang="en-US" altLang="zh-CN" dirty="0">
+                  <a:latin typeface="Monaco" pitchFamily="2" charset="77"/>
+                </a:rPr>
+                <a:t>2x2</a:t>
+              </a:r>
+            </a:p>
+          </p:txBody>
+        </p:sp>
+        <p:cxnSp>
+          <p:nvCxnSpPr>
+            <p:cNvPr id="23" name="Curved Connector 22">
+              <a:extLst>
+                <a:ext uri="{FF2B5EF4-FFF2-40B4-BE49-F238E27FC236}">
+                  <a16:creationId xmlns:a16="http://schemas.microsoft.com/office/drawing/2014/main" id="{BBD44AE9-304A-A349-8587-185B1BFFB1EB}"/>
+                </a:ext>
+              </a:extLst>
+            </p:cNvPr>
+            <p:cNvCxnSpPr>
+              <a:cxnSpLocks/>
+            </p:cNvCxnSpPr>
+            <p:nvPr/>
+          </p:nvCxnSpPr>
+          <p:spPr>
+            <a:xfrm rot="10800000">
+              <a:off x="6908473" y="2901731"/>
+              <a:ext cx="2411991" cy="1461723"/>
+            </a:xfrm>
+            <a:prstGeom prst="curvedConnector3">
+              <a:avLst>
+                <a:gd name="adj1" fmla="val 107864"/>
+              </a:avLst>
+            </a:prstGeom>
+            <a:ln w="63500">
+              <a:tailEnd type="triangle"/>
+            </a:ln>
+          </p:spPr>
+          <p:style>
+            <a:lnRef idx="1">
+              <a:schemeClr val="accent1"/>
+            </a:lnRef>
+            <a:fillRef idx="0">
+              <a:schemeClr val="accent1"/>
+            </a:fillRef>
+            <a:effectRef idx="0">
+              <a:schemeClr val="accent1"/>
+            </a:effectRef>
+            <a:fontRef idx="minor">
+              <a:schemeClr val="tx1"/>
+            </a:fontRef>
+          </p:style>
+        </p:cxnSp>
+        <p:sp>
+          <p:nvSpPr>
+            <p:cNvPr id="29" name="TextBox 28">
+              <a:extLst>
+                <a:ext uri="{FF2B5EF4-FFF2-40B4-BE49-F238E27FC236}">
+                  <a16:creationId xmlns:a16="http://schemas.microsoft.com/office/drawing/2014/main" id="{FE6C1B93-EF3C-B14F-A448-5D586CA1D445}"/>
+                </a:ext>
+              </a:extLst>
+            </p:cNvPr>
+            <p:cNvSpPr txBox="1"/>
+            <p:nvPr/>
+          </p:nvSpPr>
+          <p:spPr>
+            <a:xfrm>
+              <a:off x="8642378" y="4367624"/>
+              <a:ext cx="2972106" cy="646331"/>
+            </a:xfrm>
+            <a:prstGeom prst="rect">
+              <a:avLst/>
+            </a:prstGeom>
+            <a:noFill/>
+          </p:spPr>
+          <p:txBody>
+            <a:bodyPr wrap="square" rtlCol="0">
+              <a:spAutoFit/>
+            </a:bodyPr>
+            <a:lstStyle/>
+            <a:p>
+              <a:pPr algn="ctr"/>
+              <a:r>
+                <a:rPr lang="en-US" dirty="0">
+                  <a:latin typeface="Monaco" pitchFamily="2" charset="77"/>
+                </a:rPr>
+                <a:t>Conv</a:t>
+              </a:r>
+              <a:r>
+                <a:rPr lang="zh-CN" altLang="en-US" dirty="0">
+                  <a:latin typeface="Monaco" pitchFamily="2" charset="77"/>
+                </a:rPr>
+                <a:t> </a:t>
+              </a:r>
+              <a:r>
+                <a:rPr lang="en-US" altLang="zh-CN" dirty="0">
+                  <a:latin typeface="Monaco" pitchFamily="2" charset="77"/>
+                </a:rPr>
+                <a:t>from</a:t>
+              </a:r>
+              <a:r>
+                <a:rPr lang="zh-CN" altLang="en-US" dirty="0">
+                  <a:latin typeface="Monaco" pitchFamily="2" charset="77"/>
+                </a:rPr>
+                <a:t> </a:t>
+              </a:r>
+              <a:r>
+                <a:rPr lang="en-US" altLang="zh-CN" dirty="0">
+                  <a:latin typeface="Monaco" pitchFamily="2" charset="77"/>
+                </a:rPr>
+                <a:t>the</a:t>
+              </a:r>
+              <a:r>
+                <a:rPr lang="zh-CN" altLang="en-US" dirty="0">
+                  <a:latin typeface="Monaco" pitchFamily="2" charset="77"/>
+                </a:rPr>
+                <a:t> </a:t>
+              </a:r>
+              <a:r>
+                <a:rPr lang="en-US" altLang="zh-CN" dirty="0">
+                  <a:latin typeface="Monaco" pitchFamily="2" charset="77"/>
+                </a:rPr>
+                <a:t>low</a:t>
+              </a:r>
+              <a:r>
+                <a:rPr lang="zh-CN" altLang="en-US" dirty="0">
+                  <a:latin typeface="Monaco" pitchFamily="2" charset="77"/>
+                </a:rPr>
+                <a:t> </a:t>
+              </a:r>
+              <a:r>
+                <a:rPr lang="en-US" altLang="zh-CN" dirty="0">
+                  <a:latin typeface="Monaco" pitchFamily="2" charset="77"/>
+                </a:rPr>
+                <a:t>layer</a:t>
+              </a:r>
+              <a:r>
+                <a:rPr lang="zh-CN" altLang="en-US" dirty="0">
+                  <a:latin typeface="Monaco" pitchFamily="2" charset="77"/>
+                </a:rPr>
+                <a:t> </a:t>
+              </a:r>
+              <a:r>
+                <a:rPr lang="en-US" altLang="zh-CN" dirty="0">
+                  <a:latin typeface="Monaco" pitchFamily="2" charset="77"/>
+                </a:rPr>
+                <a:t>of</a:t>
+              </a:r>
+              <a:r>
+                <a:rPr lang="zh-CN" altLang="en-US" dirty="0">
+                  <a:latin typeface="Monaco" pitchFamily="2" charset="77"/>
+                </a:rPr>
+                <a:t> </a:t>
+              </a:r>
+              <a:r>
+                <a:rPr lang="en-US" altLang="zh-CN" dirty="0">
+                  <a:latin typeface="Monaco" pitchFamily="2" charset="77"/>
+                </a:rPr>
+                <a:t>same</a:t>
+              </a:r>
+              <a:r>
+                <a:rPr lang="zh-CN" altLang="en-US" dirty="0">
+                  <a:latin typeface="Monaco" pitchFamily="2" charset="77"/>
+                </a:rPr>
+                <a:t> </a:t>
+              </a:r>
+              <a:r>
+                <a:rPr lang="en-US" altLang="zh-CN" dirty="0">
+                  <a:latin typeface="Monaco" pitchFamily="2" charset="77"/>
+                </a:rPr>
+                <a:t>size</a:t>
+              </a:r>
+              <a:r>
+                <a:rPr lang="zh-CN" altLang="en-US" dirty="0">
+                  <a:latin typeface="Monaco" pitchFamily="2" charset="77"/>
+                </a:rPr>
+                <a:t> </a:t>
+              </a:r>
+              <a:endParaRPr lang="en-US" dirty="0">
+                <a:latin typeface="Monaco" pitchFamily="2" charset="77"/>
+              </a:endParaRPr>
+            </a:p>
+          </p:txBody>
+        </p:sp>
+        <p:sp>
+          <p:nvSpPr>
+            <p:cNvPr id="30" name="TextBox 29">
+              <a:extLst>
+                <a:ext uri="{FF2B5EF4-FFF2-40B4-BE49-F238E27FC236}">
+                  <a16:creationId xmlns:a16="http://schemas.microsoft.com/office/drawing/2014/main" id="{B5ACAD7D-4DBE-3A45-9874-26CE5925985F}"/>
+                </a:ext>
+              </a:extLst>
+            </p:cNvPr>
+            <p:cNvSpPr txBox="1"/>
+            <p:nvPr/>
+          </p:nvSpPr>
+          <p:spPr>
+            <a:xfrm>
+              <a:off x="6416049" y="2834656"/>
+              <a:ext cx="2172119" cy="461665"/>
+            </a:xfrm>
+            <a:prstGeom prst="rect">
+              <a:avLst/>
+            </a:prstGeom>
+            <a:noFill/>
+          </p:spPr>
+          <p:txBody>
+            <a:bodyPr wrap="square" rtlCol="0">
+              <a:spAutoFit/>
+            </a:bodyPr>
+            <a:lstStyle/>
+            <a:p>
+              <a:pPr algn="ctr"/>
+              <a:r>
+                <a:rPr lang="en-US" altLang="zh-CN" sz="2400" b="1" dirty="0" err="1">
+                  <a:latin typeface="Monaco" pitchFamily="2" charset="77"/>
+                </a:rPr>
+                <a:t>concat</a:t>
+              </a:r>
+              <a:endParaRPr lang="en-US" altLang="zh-CN" sz="2400" b="1" dirty="0">
+                <a:latin typeface="Monaco" pitchFamily="2" charset="77"/>
+              </a:endParaRPr>
+            </a:p>
+          </p:txBody>
+        </p:sp>
+      </p:grpSp>
     </p:spTree>
     <p:extLst>
       <p:ext uri="{BB962C8B-B14F-4D97-AF65-F5344CB8AC3E}">

--- a/illustration.pptx
+++ b/illustration.pptx
@@ -7,6 +7,7 @@
   <p:sldIdLst>
     <p:sldId id="256" r:id="rId2"/>
     <p:sldId id="257" r:id="rId3"/>
+    <p:sldId id="258" r:id="rId4"/>
   </p:sldIdLst>
   <p:sldSz cx="12192000" cy="6858000"/>
   <p:notesSz cx="6858000" cy="9144000"/>
@@ -4157,6 +4158,243 @@
 </p:sld>
 </file>
 
+<file path=ppt/slides/slide3.xml><?xml version="1.0" encoding="utf-8"?>
+<p:sld xmlns:a="http://schemas.openxmlformats.org/drawingml/2006/main" xmlns:r="http://schemas.openxmlformats.org/officeDocument/2006/relationships" xmlns:p="http://schemas.openxmlformats.org/presentationml/2006/main">
+  <p:cSld>
+    <p:spTree>
+      <p:nvGrpSpPr>
+        <p:cNvPr id="1" name=""/>
+        <p:cNvGrpSpPr/>
+        <p:nvPr/>
+      </p:nvGrpSpPr>
+      <p:grpSpPr>
+        <a:xfrm>
+          <a:off x="0" y="0"/>
+          <a:ext cx="0" cy="0"/>
+          <a:chOff x="0" y="0"/>
+          <a:chExt cx="0" cy="0"/>
+        </a:xfrm>
+      </p:grpSpPr>
+      <p:grpSp>
+        <p:nvGrpSpPr>
+          <p:cNvPr id="27" name="Group 26">
+            <a:extLst>
+              <a:ext uri="{FF2B5EF4-FFF2-40B4-BE49-F238E27FC236}">
+                <a16:creationId xmlns:a16="http://schemas.microsoft.com/office/drawing/2014/main" id="{26D2652F-083D-3645-BAA0-164C70E4AEA7}"/>
+              </a:ext>
+            </a:extLst>
+          </p:cNvPr>
+          <p:cNvGrpSpPr/>
+          <p:nvPr/>
+        </p:nvGrpSpPr>
+        <p:grpSpPr>
+          <a:xfrm>
+            <a:off x="984250" y="1598013"/>
+            <a:ext cx="10223500" cy="3551837"/>
+            <a:chOff x="984250" y="1598013"/>
+            <a:chExt cx="10223500" cy="3551837"/>
+          </a:xfrm>
+        </p:grpSpPr>
+        <p:pic>
+          <p:nvPicPr>
+            <p:cNvPr id="4" name="Picture 3">
+              <a:extLst>
+                <a:ext uri="{FF2B5EF4-FFF2-40B4-BE49-F238E27FC236}">
+                  <a16:creationId xmlns:a16="http://schemas.microsoft.com/office/drawing/2014/main" id="{E070B563-78DC-6645-8FBA-3BDA6B006C43}"/>
+                </a:ext>
+              </a:extLst>
+            </p:cNvPr>
+            <p:cNvPicPr>
+              <a:picLocks noChangeAspect="1"/>
+            </p:cNvPicPr>
+            <p:nvPr/>
+          </p:nvPicPr>
+          <p:blipFill>
+            <a:blip r:embed="rId2"/>
+            <a:stretch>
+              <a:fillRect/>
+            </a:stretch>
+          </p:blipFill>
+          <p:spPr>
+            <a:xfrm>
+              <a:off x="984250" y="1708150"/>
+              <a:ext cx="10223500" cy="3441700"/>
+            </a:xfrm>
+            <a:prstGeom prst="rect">
+              <a:avLst/>
+            </a:prstGeom>
+          </p:spPr>
+        </p:pic>
+        <p:cxnSp>
+          <p:nvCxnSpPr>
+            <p:cNvPr id="6" name="Curved Connector 5">
+              <a:extLst>
+                <a:ext uri="{FF2B5EF4-FFF2-40B4-BE49-F238E27FC236}">
+                  <a16:creationId xmlns:a16="http://schemas.microsoft.com/office/drawing/2014/main" id="{CEC8AC00-96B9-F84B-8BCC-8FA774F7A2A2}"/>
+                </a:ext>
+              </a:extLst>
+            </p:cNvPr>
+            <p:cNvCxnSpPr>
+              <a:cxnSpLocks/>
+            </p:cNvCxnSpPr>
+            <p:nvPr/>
+          </p:nvCxnSpPr>
+          <p:spPr>
+            <a:xfrm>
+              <a:off x="2045855" y="1967345"/>
+              <a:ext cx="563418" cy="193964"/>
+            </a:xfrm>
+            <a:prstGeom prst="curvedConnector3">
+              <a:avLst>
+                <a:gd name="adj1" fmla="val 83606"/>
+              </a:avLst>
+            </a:prstGeom>
+            <a:ln w="63500">
+              <a:tailEnd type="triangle"/>
+            </a:ln>
+          </p:spPr>
+          <p:style>
+            <a:lnRef idx="1">
+              <a:schemeClr val="accent1"/>
+            </a:lnRef>
+            <a:fillRef idx="0">
+              <a:schemeClr val="accent1"/>
+            </a:fillRef>
+            <a:effectRef idx="0">
+              <a:schemeClr val="accent1"/>
+            </a:effectRef>
+            <a:fontRef idx="minor">
+              <a:schemeClr val="tx1"/>
+            </a:fontRef>
+          </p:style>
+        </p:cxnSp>
+        <p:sp>
+          <p:nvSpPr>
+            <p:cNvPr id="11" name="TextBox 10">
+              <a:extLst>
+                <a:ext uri="{FF2B5EF4-FFF2-40B4-BE49-F238E27FC236}">
+                  <a16:creationId xmlns:a16="http://schemas.microsoft.com/office/drawing/2014/main" id="{706983E5-F44A-FC43-8D53-22B722394CB8}"/>
+                </a:ext>
+              </a:extLst>
+            </p:cNvPr>
+            <p:cNvSpPr txBox="1"/>
+            <p:nvPr/>
+          </p:nvSpPr>
+          <p:spPr>
+            <a:xfrm>
+              <a:off x="1995054" y="1598013"/>
+              <a:ext cx="878959" cy="369332"/>
+            </a:xfrm>
+            <a:prstGeom prst="rect">
+              <a:avLst/>
+            </a:prstGeom>
+            <a:noFill/>
+          </p:spPr>
+          <p:txBody>
+            <a:bodyPr wrap="none" rtlCol="0">
+              <a:spAutoFit/>
+            </a:bodyPr>
+            <a:lstStyle/>
+            <a:p>
+              <a:r>
+                <a:rPr lang="en-US" altLang="zh-CN" dirty="0"/>
+                <a:t>Pooling</a:t>
+              </a:r>
+              <a:endParaRPr lang="en-US" dirty="0"/>
+            </a:p>
+          </p:txBody>
+        </p:sp>
+        <p:cxnSp>
+          <p:nvCxnSpPr>
+            <p:cNvPr id="23" name="Curved Connector 22">
+              <a:extLst>
+                <a:ext uri="{FF2B5EF4-FFF2-40B4-BE49-F238E27FC236}">
+                  <a16:creationId xmlns:a16="http://schemas.microsoft.com/office/drawing/2014/main" id="{5D23A1C1-D260-D140-8EC9-5F3782919DF5}"/>
+                </a:ext>
+              </a:extLst>
+            </p:cNvPr>
+            <p:cNvCxnSpPr/>
+            <p:nvPr/>
+          </p:nvCxnSpPr>
+          <p:spPr>
+            <a:xfrm flipV="1">
+              <a:off x="1616364" y="3297382"/>
+              <a:ext cx="1257649" cy="131618"/>
+            </a:xfrm>
+            <a:prstGeom prst="curvedConnector3">
+              <a:avLst>
+                <a:gd name="adj1" fmla="val 96636"/>
+              </a:avLst>
+            </a:prstGeom>
+            <a:ln w="63500">
+              <a:tailEnd type="triangle"/>
+            </a:ln>
+          </p:spPr>
+          <p:style>
+            <a:lnRef idx="1">
+              <a:schemeClr val="accent1"/>
+            </a:lnRef>
+            <a:fillRef idx="0">
+              <a:schemeClr val="accent1"/>
+            </a:fillRef>
+            <a:effectRef idx="0">
+              <a:schemeClr val="accent1"/>
+            </a:effectRef>
+            <a:fontRef idx="minor">
+              <a:schemeClr val="tx1"/>
+            </a:fontRef>
+          </p:style>
+        </p:cxnSp>
+        <p:sp>
+          <p:nvSpPr>
+            <p:cNvPr id="26" name="TextBox 25">
+              <a:extLst>
+                <a:ext uri="{FF2B5EF4-FFF2-40B4-BE49-F238E27FC236}">
+                  <a16:creationId xmlns:a16="http://schemas.microsoft.com/office/drawing/2014/main" id="{DB63A432-3C02-8B47-86C7-A426D7D55ED3}"/>
+                </a:ext>
+              </a:extLst>
+            </p:cNvPr>
+            <p:cNvSpPr txBox="1"/>
+            <p:nvPr/>
+          </p:nvSpPr>
+          <p:spPr>
+            <a:xfrm>
+              <a:off x="1776117" y="3431309"/>
+              <a:ext cx="938142" cy="369332"/>
+            </a:xfrm>
+            <a:prstGeom prst="rect">
+              <a:avLst/>
+            </a:prstGeom>
+            <a:noFill/>
+          </p:spPr>
+          <p:txBody>
+            <a:bodyPr wrap="none" rtlCol="0">
+              <a:spAutoFit/>
+            </a:bodyPr>
+            <a:lstStyle/>
+            <a:p>
+              <a:r>
+                <a:rPr lang="en-US" altLang="zh-CN" dirty="0"/>
+                <a:t>Stage(x)</a:t>
+              </a:r>
+              <a:endParaRPr lang="en-US" dirty="0"/>
+            </a:p>
+          </p:txBody>
+        </p:sp>
+      </p:grpSp>
+    </p:spTree>
+    <p:extLst>
+      <p:ext uri="{BB962C8B-B14F-4D97-AF65-F5344CB8AC3E}">
+        <p14:creationId xmlns:p14="http://schemas.microsoft.com/office/powerpoint/2010/main" val="2190956013"/>
+      </p:ext>
+    </p:extLst>
+  </p:cSld>
+  <p:clrMapOvr>
+    <a:masterClrMapping/>
+  </p:clrMapOvr>
+</p:sld>
+</file>
+
 <file path=ppt/theme/theme1.xml><?xml version="1.0" encoding="utf-8"?>
 <a:theme xmlns:a="http://schemas.openxmlformats.org/drawingml/2006/main" name="Office Theme">
   <a:themeElements>
